--- a/Hands-on Modules/Embedding/WDS EMBEDDED presentation - Title xxx.pptx
+++ b/Hands-on Modules/Embedding/WDS EMBEDDED presentation - Title xxx.pptx
@@ -247,7 +247,7 @@
           <a:p>
             <a:fld id="{52A13B17-C506-4D51-BB37-16B365906619}" type="datetimeFigureOut">
               <a:rPr lang="en-US" smtClean="0"/>
-              <a:t>2/19/2019</a:t>
+              <a:t>2/20/2019</a:t>
             </a:fld>
             <a:endParaRPr lang="en-US"/>
           </a:p>
@@ -964,7 +964,7 @@
           <a:p>
             <a:fld id="{35A2D088-BDBD-41A5-ADCE-5C6A4DC08057}" type="datetime8">
               <a:rPr lang="en-US" smtClean="0"/>
-              <a:t>2/19/2019 10:38 PM</a:t>
+              <a:t>2/20/2019 8:30 PM</a:t>
             </a:fld>
             <a:endParaRPr lang="en-US" dirty="0"/>
           </a:p>
@@ -1145,7 +1145,7 @@
           <a:p>
             <a:fld id="{35A2D088-BDBD-41A5-ADCE-5C6A4DC08057}" type="datetime8">
               <a:rPr lang="en-US" smtClean="0"/>
-              <a:t>2/19/2019 10:53 PM</a:t>
+              <a:t>2/20/2019 8:30 PM</a:t>
             </a:fld>
             <a:endParaRPr lang="en-US" dirty="0"/>
           </a:p>
@@ -1379,7 +1379,7 @@
                   <a:prstClr val="black"/>
                 </a:solidFill>
               </a:rPr>
-              <a:t>2/19/2019 10:26 PM</a:t>
+              <a:t>2/20/2019 8:30 PM</a:t>
             </a:fld>
             <a:endParaRPr lang="en-US" dirty="0">
               <a:solidFill>
@@ -1626,7 +1626,7 @@
           <a:p>
             <a:fld id="{328EAAE8-B538-48EB-83B5-2B364220CC89}" type="datetime8">
               <a:rPr lang="en-US" smtClean="0"/>
-              <a:t>2/19/2019 10:26 PM</a:t>
+              <a:t>2/20/2019 8:30 PM</a:t>
             </a:fld>
             <a:endParaRPr lang="en-US" dirty="0"/>
           </a:p>
@@ -1758,7 +1758,7 @@
           <a:p>
             <a:fld id="{5A70A388-5CB4-42F2-85B9-1AE1F63398FA}" type="datetime8">
               <a:rPr lang="en-US" smtClean="0"/>
-              <a:t>2/19/2019 10:26 PM</a:t>
+              <a:t>2/20/2019 8:30 PM</a:t>
             </a:fld>
             <a:endParaRPr lang="en-US" dirty="0"/>
           </a:p>
@@ -1941,7 +1941,7 @@
           <a:p>
             <a:fld id="{6939CF7E-134C-4B4A-9853-17D7568CBCC2}" type="datetime8">
               <a:rPr lang="en-US" smtClean="0"/>
-              <a:t>2/19/2019 10:26 PM</a:t>
+              <a:t>2/20/2019 8:30 PM</a:t>
             </a:fld>
             <a:endParaRPr lang="en-US" dirty="0"/>
           </a:p>
@@ -2203,7 +2203,7 @@
           <a:p>
             <a:fld id="{B76134C8-AC9E-49DD-B3D6-722B1A93F18D}" type="datetime8">
               <a:rPr lang="en-US" smtClean="0"/>
-              <a:t>2/19/2019 10:26 PM</a:t>
+              <a:t>2/20/2019 8:30 PM</a:t>
             </a:fld>
             <a:endParaRPr lang="en-US" dirty="0"/>
           </a:p>
@@ -2468,7 +2468,7 @@
           <a:p>
             <a:fld id="{34FAA446-E61B-4D43-A3B1-7749AA6DC131}" type="datetime8">
               <a:rPr lang="en-US" smtClean="0"/>
-              <a:t>2/19/2019 10:26 PM</a:t>
+              <a:t>2/20/2019 8:30 PM</a:t>
             </a:fld>
             <a:endParaRPr lang="en-US" dirty="0"/>
           </a:p>
@@ -2649,7 +2649,7 @@
           <a:p>
             <a:fld id="{F86059B6-667D-4F24-AA48-46C1EA5D9E8E}" type="datetime8">
               <a:rPr lang="en-US" smtClean="0"/>
-              <a:t>2/19/2019 10:26 PM</a:t>
+              <a:t>2/20/2019 8:30 PM</a:t>
             </a:fld>
             <a:endParaRPr lang="en-US" dirty="0"/>
           </a:p>
@@ -2781,7 +2781,7 @@
           <a:p>
             <a:fld id="{174E4CE6-2FE4-433F-87B8-CB5DD266EBFC}" type="datetime8">
               <a:rPr lang="en-US" smtClean="0"/>
-              <a:t>2/19/2019 10:26 PM</a:t>
+              <a:t>2/20/2019 8:30 PM</a:t>
             </a:fld>
             <a:endParaRPr lang="en-US" dirty="0"/>
           </a:p>
@@ -3095,7 +3095,7 @@
           <a:p>
             <a:fld id="{35A2D088-BDBD-41A5-ADCE-5C6A4DC08057}" type="datetime8">
               <a:rPr lang="en-US" smtClean="0"/>
-              <a:t>2/19/2019 10:26 PM</a:t>
+              <a:t>2/20/2019 8:30 PM</a:t>
             </a:fld>
             <a:endParaRPr lang="en-US" dirty="0"/>
           </a:p>
@@ -3363,7 +3363,7 @@
           <a:p>
             <a:fld id="{35A2D088-BDBD-41A5-ADCE-5C6A4DC08057}" type="datetime8">
               <a:rPr lang="en-US" smtClean="0"/>
-              <a:t>2/19/2019 10:36 PM</a:t>
+              <a:t>2/20/2019 8:30 PM</a:t>
             </a:fld>
             <a:endParaRPr lang="en-US" dirty="0"/>
           </a:p>
@@ -13695,7 +13695,7 @@
             <a:fld id="{2E809A50-B28D-413A-915D-87F91E5248C6}" type="datetimeFigureOut">
               <a:rPr lang="en-US" smtClean="0"/>
               <a:pPr/>
-              <a:t>2/19/2019</a:t>
+              <a:t>2/20/2019</a:t>
             </a:fld>
             <a:endParaRPr lang="en-US"/>
           </a:p>
@@ -13882,7 +13882,7 @@
           <a:p>
             <a:fld id="{1279C872-40C5-4778-A459-913B2790679C}" type="datetimeFigureOut">
               <a:rPr lang="en-US" smtClean="0"/>
-              <a:t>2/19/2019</a:t>
+              <a:t>2/20/2019</a:t>
             </a:fld>
             <a:endParaRPr lang="en-US"/>
           </a:p>
@@ -14147,7 +14147,7 @@
           <a:p>
             <a:fld id="{1279C872-40C5-4778-A459-913B2790679C}" type="datetimeFigureOut">
               <a:rPr lang="en-US" smtClean="0"/>
-              <a:t>2/19/2019</a:t>
+              <a:t>2/20/2019</a:t>
             </a:fld>
             <a:endParaRPr lang="en-US"/>
           </a:p>
@@ -14559,7 +14559,7 @@
           <a:p>
             <a:fld id="{1279C872-40C5-4778-A459-913B2790679C}" type="datetimeFigureOut">
               <a:rPr lang="en-US" smtClean="0"/>
-              <a:t>2/19/2019</a:t>
+              <a:t>2/20/2019</a:t>
             </a:fld>
             <a:endParaRPr lang="en-US"/>
           </a:p>
@@ -22833,7 +22833,13 @@
               <a:buSzPct val="100000"/>
             </a:pPr>
             <a:r>
-              <a:rPr lang="en-US" sz="2400" spc="200" dirty="0"/>
+              <a:rPr lang="en-US" sz="2400" spc="200" dirty="0">
+                <a:solidFill>
+                  <a:schemeClr val="tx1">
+                    <a:lumMod val="95000"/>
+                  </a:schemeClr>
+                </a:solidFill>
+              </a:rPr>
               <a:t>Provides cloud-based foundation for power BI platform</a:t>
             </a:r>
           </a:p>
@@ -22851,16 +22857,39 @@
               <a:buSzPct val="100000"/>
             </a:pPr>
             <a:r>
-              <a:rPr lang="en-US" spc="200" dirty="0"/>
+              <a:rPr lang="en-US" spc="200" dirty="0">
+                <a:solidFill>
+                  <a:schemeClr val="tx1">
+                    <a:lumMod val="95000"/>
+                  </a:schemeClr>
+                </a:solidFill>
+              </a:rPr>
               <a:t>Accessible with browser through </a:t>
             </a:r>
             <a:r>
               <a:rPr lang="en-US" spc="200" dirty="0">
-                <a:hlinkClick r:id="rId2"/>
+                <a:solidFill>
+                  <a:schemeClr val="tx1">
+                    <a:lumMod val="95000"/>
+                  </a:schemeClr>
+                </a:solidFill>
+                <a:hlinkClick r:id="rId2">
+                  <a:extLst>
+                    <a:ext uri="{A12FA001-AC4F-418D-AE19-62706E023703}">
+                      <ahyp:hlinkClr xmlns:ahyp="http://schemas.microsoft.com/office/drawing/2018/hyperlinkcolor" val="tx"/>
+                    </a:ext>
+                  </a:extLst>
+                </a:hlinkClick>
               </a:rPr>
               <a:t>https://app.Powerbi.Com</a:t>
             </a:r>
-            <a:endParaRPr lang="en-US" spc="200" dirty="0"/>
+            <a:endParaRPr lang="en-US" spc="200" dirty="0">
+              <a:solidFill>
+                <a:schemeClr val="tx1">
+                  <a:lumMod val="95000"/>
+                </a:schemeClr>
+              </a:solidFill>
+            </a:endParaRPr>
           </a:p>
           <a:p>
             <a:pPr marL="342900" lvl="1" indent="-342900">
@@ -22876,7 +22905,13 @@
               <a:buSzPct val="100000"/>
             </a:pPr>
             <a:r>
-              <a:rPr lang="en-US" spc="200" dirty="0"/>
+              <a:rPr lang="en-US" spc="200" dirty="0">
+                <a:solidFill>
+                  <a:schemeClr val="tx1">
+                    <a:lumMod val="95000"/>
+                  </a:schemeClr>
+                </a:solidFill>
+              </a:rPr>
               <a:t>Accessible through power BI mobile apps</a:t>
             </a:r>
           </a:p>
@@ -22894,12 +22929,24 @@
               <a:buSzPct val="100000"/>
             </a:pPr>
             <a:r>
-              <a:rPr lang="en-US" spc="200" dirty="0"/>
+              <a:rPr lang="en-US" spc="200" dirty="0">
+                <a:solidFill>
+                  <a:schemeClr val="tx1">
+                    <a:lumMod val="95000"/>
+                  </a:schemeClr>
+                </a:solidFill>
+              </a:rPr>
               <a:t>Accessible to developers through power BI service API</a:t>
             </a:r>
           </a:p>
           <a:p>
-            <a:endParaRPr lang="en-US" sz="2400" dirty="0"/>
+            <a:endParaRPr lang="en-US" sz="2400" dirty="0">
+              <a:solidFill>
+                <a:schemeClr val="tx1">
+                  <a:lumMod val="95000"/>
+                </a:schemeClr>
+              </a:solidFill>
+            </a:endParaRPr>
           </a:p>
         </p:txBody>
       </p:sp>
@@ -24440,6 +24487,15 @@
 </file>
 
 <file path=customXml/item1.xml><?xml version="1.0" encoding="utf-8"?>
+<p:properties xmlns:p="http://schemas.microsoft.com/office/2006/metadata/properties" xmlns:xsi="http://www.w3.org/2001/XMLSchema-instance" xmlns:pc="http://schemas.microsoft.com/office/infopath/2007/PartnerControls">
+  <documentManagement>
+    <_ip_UnifiedCompliancePolicyUIAction xmlns="http://schemas.microsoft.com/sharepoint/v3" xsi:nil="true"/>
+    <_ip_UnifiedCompliancePolicyProperties xmlns="http://schemas.microsoft.com/sharepoint/v3" xsi:nil="true"/>
+  </documentManagement>
+</p:properties>
+</file>
+
+<file path=customXml/item2.xml><?xml version="1.0" encoding="utf-8"?>
 <?mso-contentType ?>
 <FormTemplates xmlns="http://schemas.microsoft.com/sharepoint/v3/contenttype/forms">
   <Display>DocumentLibraryForm</Display>
@@ -24448,7 +24504,7 @@
 </FormTemplates>
 </file>
 
-<file path=customXml/item2.xml><?xml version="1.0" encoding="utf-8"?>
+<file path=customXml/item3.xml><?xml version="1.0" encoding="utf-8"?>
 <ct:contentTypeSchema xmlns:ct="http://schemas.microsoft.com/office/2006/metadata/contentType" xmlns:ma="http://schemas.microsoft.com/office/2006/metadata/properties/metaAttributes" ct:_="" ma:_="" ma:contentTypeName="Document" ma:contentTypeID="0x010100D15DFA3690A15B4081582BBCC6BEAC3E" ma:contentTypeVersion="9" ma:contentTypeDescription="Create a new document." ma:contentTypeScope="" ma:versionID="642da1784587cbe85a7fdbbe4dc36103">
   <xsd:schema xmlns:xsd="http://www.w3.org/2001/XMLSchema" xmlns:xs="http://www.w3.org/2001/XMLSchema" xmlns:p="http://schemas.microsoft.com/office/2006/metadata/properties" xmlns:ns1="http://schemas.microsoft.com/sharepoint/v3" xmlns:ns2="2023ac63-7b75-4916-a9ee-591457758eee" xmlns:ns3="d9c797ad-d7c3-4982-82b7-81352a75e4a5" targetNamespace="http://schemas.microsoft.com/office/2006/metadata/properties" ma:root="true" ma:fieldsID="91198b0246576053cc55dd2c67035a89" ns1:_="" ns2:_="" ns3:_="">
     <xsd:import namespace="http://schemas.microsoft.com/sharepoint/v3"/>
@@ -24650,16 +24706,25 @@
 </ct:contentTypeSchema>
 </file>
 
-<file path=customXml/item3.xml><?xml version="1.0" encoding="utf-8"?>
-<p:properties xmlns:p="http://schemas.microsoft.com/office/2006/metadata/properties" xmlns:xsi="http://www.w3.org/2001/XMLSchema-instance" xmlns:pc="http://schemas.microsoft.com/office/infopath/2007/PartnerControls">
-  <documentManagement>
-    <_ip_UnifiedCompliancePolicyUIAction xmlns="http://schemas.microsoft.com/sharepoint/v3" xsi:nil="true"/>
-    <_ip_UnifiedCompliancePolicyProperties xmlns="http://schemas.microsoft.com/sharepoint/v3" xsi:nil="true"/>
-  </documentManagement>
-</p:properties>
+<file path=customXml/itemProps1.xml><?xml version="1.0" encoding="utf-8"?>
+<ds:datastoreItem xmlns:ds="http://schemas.openxmlformats.org/officeDocument/2006/customXml" ds:itemID="{BAF7D529-36AB-45DA-B239-2F912F2D1610}">
+  <ds:schemaRefs>
+    <ds:schemaRef ds:uri="http://schemas.microsoft.com/office/2006/metadata/properties"/>
+    <ds:schemaRef ds:uri="d9c797ad-d7c3-4982-82b7-81352a75e4a5"/>
+    <ds:schemaRef ds:uri="http://purl.org/dc/terms/"/>
+    <ds:schemaRef ds:uri="2023ac63-7b75-4916-a9ee-591457758eee"/>
+    <ds:schemaRef ds:uri="http://purl.org/dc/elements/1.1/"/>
+    <ds:schemaRef ds:uri="http://schemas.openxmlformats.org/package/2006/metadata/core-properties"/>
+    <ds:schemaRef ds:uri="http://purl.org/dc/dcmitype/"/>
+    <ds:schemaRef ds:uri="http://schemas.microsoft.com/office/2006/documentManagement/types"/>
+    <ds:schemaRef ds:uri="http://schemas.microsoft.com/office/infopath/2007/PartnerControls"/>
+    <ds:schemaRef ds:uri="http://schemas.microsoft.com/sharepoint/v3"/>
+    <ds:schemaRef ds:uri="http://www.w3.org/XML/1998/namespace"/>
+  </ds:schemaRefs>
+</ds:datastoreItem>
 </file>
 
-<file path=customXml/itemProps1.xml><?xml version="1.0" encoding="utf-8"?>
+<file path=customXml/itemProps2.xml><?xml version="1.0" encoding="utf-8"?>
 <ds:datastoreItem xmlns:ds="http://schemas.openxmlformats.org/officeDocument/2006/customXml" ds:itemID="{F18501AF-04CF-4482-BAE1-607B49DDC378}">
   <ds:schemaRefs>
     <ds:schemaRef ds:uri="http://schemas.microsoft.com/sharepoint/v3/contenttype/forms"/>
@@ -24667,7 +24732,7 @@
 </ds:datastoreItem>
 </file>
 
-<file path=customXml/itemProps2.xml><?xml version="1.0" encoding="utf-8"?>
+<file path=customXml/itemProps3.xml><?xml version="1.0" encoding="utf-8"?>
 <ds:datastoreItem xmlns:ds="http://schemas.openxmlformats.org/officeDocument/2006/customXml" ds:itemID="{255F5BEB-6AD6-480A-8556-C80C5EBC10F2}">
   <ds:schemaRefs>
     <ds:schemaRef ds:uri="http://schemas.microsoft.com/office/2006/metadata/contentType"/>
@@ -24685,22 +24750,4 @@
     <ds:schemaRef ds:uri="http://schemas.microsoft.com/internal/obd"/>
   </ds:schemaRefs>
 </ds:datastoreItem>
-</file>
-
-<file path=customXml/itemProps3.xml><?xml version="1.0" encoding="utf-8"?>
-<ds:datastoreItem xmlns:ds="http://schemas.openxmlformats.org/officeDocument/2006/customXml" ds:itemID="{BAF7D529-36AB-45DA-B239-2F912F2D1610}">
-  <ds:schemaRefs>
-    <ds:schemaRef ds:uri="http://schemas.microsoft.com/office/2006/metadata/properties"/>
-    <ds:schemaRef ds:uri="d9c797ad-d7c3-4982-82b7-81352a75e4a5"/>
-    <ds:schemaRef ds:uri="http://purl.org/dc/terms/"/>
-    <ds:schemaRef ds:uri="2023ac63-7b75-4916-a9ee-591457758eee"/>
-    <ds:schemaRef ds:uri="http://purl.org/dc/elements/1.1/"/>
-    <ds:schemaRef ds:uri="http://schemas.openxmlformats.org/package/2006/metadata/core-properties"/>
-    <ds:schemaRef ds:uri="http://purl.org/dc/dcmitype/"/>
-    <ds:schemaRef ds:uri="http://schemas.microsoft.com/office/2006/documentManagement/types"/>
-    <ds:schemaRef ds:uri="http://schemas.microsoft.com/office/infopath/2007/PartnerControls"/>
-    <ds:schemaRef ds:uri="http://schemas.microsoft.com/sharepoint/v3"/>
-    <ds:schemaRef ds:uri="http://www.w3.org/XML/1998/namespace"/>
-  </ds:schemaRefs>
-</ds:datastoreItem>
 </file>